--- a/doc/教学课件/C语言基础/PPT/3.变量类型，输入输出及运算.pptx
+++ b/doc/教学课件/C语言基础/PPT/3.变量类型，输入输出及运算.pptx
@@ -29,9 +29,10 @@
     <p:sldId id="277" r:id="rId23"/>
     <p:sldId id="279" r:id="rId24"/>
     <p:sldId id="278" r:id="rId25"/>
-    <p:sldId id="280" r:id="rId26"/>
-    <p:sldId id="281" r:id="rId27"/>
-    <p:sldId id="282" r:id="rId28"/>
+    <p:sldId id="283" r:id="rId26"/>
+    <p:sldId id="280" r:id="rId27"/>
+    <p:sldId id="281" r:id="rId28"/>
+    <p:sldId id="282" r:id="rId29"/>
   </p:sldIdLst>
   <p:sldSz cx="12192000" cy="6858000"/>
   <p:notesSz cx="6858000" cy="9144000"/>
@@ -296,7 +297,7 @@
           <a:p>
             <a:fld id="{F65B811B-E3B4-42AF-946D-EBB340E40D27}" type="datetimeFigureOut">
               <a:rPr lang="zh-CN" altLang="en-US" smtClean="0"/>
-              <a:t>2018/10/2</a:t>
+              <a:t>2018/10/3</a:t>
             </a:fld>
             <a:endParaRPr lang="zh-CN" altLang="en-US"/>
           </a:p>
@@ -494,7 +495,7 @@
           <a:p>
             <a:fld id="{F65B811B-E3B4-42AF-946D-EBB340E40D27}" type="datetimeFigureOut">
               <a:rPr lang="zh-CN" altLang="en-US" smtClean="0"/>
-              <a:t>2018/10/2</a:t>
+              <a:t>2018/10/3</a:t>
             </a:fld>
             <a:endParaRPr lang="zh-CN" altLang="en-US"/>
           </a:p>
@@ -702,7 +703,7 @@
           <a:p>
             <a:fld id="{F65B811B-E3B4-42AF-946D-EBB340E40D27}" type="datetimeFigureOut">
               <a:rPr lang="zh-CN" altLang="en-US" smtClean="0"/>
-              <a:t>2018/10/2</a:t>
+              <a:t>2018/10/3</a:t>
             </a:fld>
             <a:endParaRPr lang="zh-CN" altLang="en-US"/>
           </a:p>
@@ -900,7 +901,7 @@
           <a:p>
             <a:fld id="{F65B811B-E3B4-42AF-946D-EBB340E40D27}" type="datetimeFigureOut">
               <a:rPr lang="zh-CN" altLang="en-US" smtClean="0"/>
-              <a:t>2018/10/2</a:t>
+              <a:t>2018/10/3</a:t>
             </a:fld>
             <a:endParaRPr lang="zh-CN" altLang="en-US"/>
           </a:p>
@@ -1175,7 +1176,7 @@
           <a:p>
             <a:fld id="{F65B811B-E3B4-42AF-946D-EBB340E40D27}" type="datetimeFigureOut">
               <a:rPr lang="zh-CN" altLang="en-US" smtClean="0"/>
-              <a:t>2018/10/2</a:t>
+              <a:t>2018/10/3</a:t>
             </a:fld>
             <a:endParaRPr lang="zh-CN" altLang="en-US"/>
           </a:p>
@@ -1440,7 +1441,7 @@
           <a:p>
             <a:fld id="{F65B811B-E3B4-42AF-946D-EBB340E40D27}" type="datetimeFigureOut">
               <a:rPr lang="zh-CN" altLang="en-US" smtClean="0"/>
-              <a:t>2018/10/2</a:t>
+              <a:t>2018/10/3</a:t>
             </a:fld>
             <a:endParaRPr lang="zh-CN" altLang="en-US"/>
           </a:p>
@@ -1852,7 +1853,7 @@
           <a:p>
             <a:fld id="{F65B811B-E3B4-42AF-946D-EBB340E40D27}" type="datetimeFigureOut">
               <a:rPr lang="zh-CN" altLang="en-US" smtClean="0"/>
-              <a:t>2018/10/2</a:t>
+              <a:t>2018/10/3</a:t>
             </a:fld>
             <a:endParaRPr lang="zh-CN" altLang="en-US"/>
           </a:p>
@@ -1993,7 +1994,7 @@
           <a:p>
             <a:fld id="{F65B811B-E3B4-42AF-946D-EBB340E40D27}" type="datetimeFigureOut">
               <a:rPr lang="zh-CN" altLang="en-US" smtClean="0"/>
-              <a:t>2018/10/2</a:t>
+              <a:t>2018/10/3</a:t>
             </a:fld>
             <a:endParaRPr lang="zh-CN" altLang="en-US"/>
           </a:p>
@@ -2106,7 +2107,7 @@
           <a:p>
             <a:fld id="{F65B811B-E3B4-42AF-946D-EBB340E40D27}" type="datetimeFigureOut">
               <a:rPr lang="zh-CN" altLang="en-US" smtClean="0"/>
-              <a:t>2018/10/2</a:t>
+              <a:t>2018/10/3</a:t>
             </a:fld>
             <a:endParaRPr lang="zh-CN" altLang="en-US"/>
           </a:p>
@@ -2417,7 +2418,7 @@
           <a:p>
             <a:fld id="{F65B811B-E3B4-42AF-946D-EBB340E40D27}" type="datetimeFigureOut">
               <a:rPr lang="zh-CN" altLang="en-US" smtClean="0"/>
-              <a:t>2018/10/2</a:t>
+              <a:t>2018/10/3</a:t>
             </a:fld>
             <a:endParaRPr lang="zh-CN" altLang="en-US"/>
           </a:p>
@@ -2705,7 +2706,7 @@
           <a:p>
             <a:fld id="{F65B811B-E3B4-42AF-946D-EBB340E40D27}" type="datetimeFigureOut">
               <a:rPr lang="zh-CN" altLang="en-US" smtClean="0"/>
-              <a:t>2018/10/2</a:t>
+              <a:t>2018/10/3</a:t>
             </a:fld>
             <a:endParaRPr lang="zh-CN" altLang="en-US"/>
           </a:p>
@@ -2946,7 +2947,7 @@
           <a:p>
             <a:fld id="{F65B811B-E3B4-42AF-946D-EBB340E40D27}" type="datetimeFigureOut">
               <a:rPr lang="zh-CN" altLang="en-US" smtClean="0"/>
-              <a:t>2018/10/2</a:t>
+              <a:t>2018/10/3</a:t>
             </a:fld>
             <a:endParaRPr lang="zh-CN" altLang="en-US"/>
           </a:p>
@@ -16372,6 +16373,1257 @@
           </a:prstGeom>
         </p:spPr>
       </p:pic>
+      <p:graphicFrame>
+        <p:nvGraphicFramePr>
+          <p:cNvPr id="2" name="表格 1">
+            <a:extLst>
+              <a:ext uri="{FF2B5EF4-FFF2-40B4-BE49-F238E27FC236}">
+                <a16:creationId xmlns:a16="http://schemas.microsoft.com/office/drawing/2014/main" id="{E9E5300E-EE6C-40EB-9CB6-798C3F2E5575}"/>
+              </a:ext>
+            </a:extLst>
+          </p:cNvPr>
+          <p:cNvGraphicFramePr>
+            <a:graphicFrameLocks noGrp="1"/>
+          </p:cNvGraphicFramePr>
+          <p:nvPr>
+            <p:extLst>
+              <p:ext uri="{D42A27DB-BD31-4B8C-83A1-F6EECF244321}">
+                <p14:modId xmlns:p14="http://schemas.microsoft.com/office/powerpoint/2010/main" val="2649839433"/>
+              </p:ext>
+            </p:extLst>
+          </p:nvPr>
+        </p:nvGraphicFramePr>
+        <p:xfrm>
+          <a:off x="2275654" y="224300"/>
+          <a:ext cx="9295001" cy="6409400"/>
+        </p:xfrm>
+        <a:graphic>
+          <a:graphicData uri="http://schemas.openxmlformats.org/drawingml/2006/table">
+            <a:tbl>
+              <a:tblPr firstRow="1" bandRow="1">
+                <a:tableStyleId>{5C22544A-7EE6-4342-B048-85BDC9FD1C3A}</a:tableStyleId>
+              </a:tblPr>
+              <a:tblGrid>
+                <a:gridCol w="3099755">
+                  <a:extLst>
+                    <a:ext uri="{9D8B030D-6E8A-4147-A177-3AD203B41FA5}">
+                      <a16:colId xmlns:a16="http://schemas.microsoft.com/office/drawing/2014/main" val="1309758200"/>
+                    </a:ext>
+                  </a:extLst>
+                </a:gridCol>
+                <a:gridCol w="3097623">
+                  <a:extLst>
+                    <a:ext uri="{9D8B030D-6E8A-4147-A177-3AD203B41FA5}">
+                      <a16:colId xmlns:a16="http://schemas.microsoft.com/office/drawing/2014/main" val="4145016089"/>
+                    </a:ext>
+                  </a:extLst>
+                </a:gridCol>
+                <a:gridCol w="3097623">
+                  <a:extLst>
+                    <a:ext uri="{9D8B030D-6E8A-4147-A177-3AD203B41FA5}">
+                      <a16:colId xmlns:a16="http://schemas.microsoft.com/office/drawing/2014/main" val="1257202598"/>
+                    </a:ext>
+                  </a:extLst>
+                </a:gridCol>
+              </a:tblGrid>
+              <a:tr h="0">
+                <a:tc>
+                  <a:txBody>
+                    <a:bodyPr/>
+                    <a:lstStyle/>
+                    <a:p>
+                      <a:pPr algn="ctr" fontAlgn="t"/>
+                      <a:r>
+                        <a:rPr lang="zh-CN" altLang="en-US" sz="1600" dirty="0">
+                          <a:solidFill>
+                            <a:srgbClr val="FFFFFF"/>
+                          </a:solidFill>
+                          <a:effectLst/>
+                        </a:rPr>
+                        <a:t>类别 </a:t>
+                      </a:r>
+                    </a:p>
+                  </a:txBody>
+                  <a:tcPr marL="28575" marR="28575" marT="28575" marB="28575"/>
+                </a:tc>
+                <a:tc>
+                  <a:txBody>
+                    <a:bodyPr/>
+                    <a:lstStyle/>
+                    <a:p>
+                      <a:pPr algn="ctr" fontAlgn="t"/>
+                      <a:r>
+                        <a:rPr lang="zh-CN" altLang="en-US" sz="1600">
+                          <a:solidFill>
+                            <a:srgbClr val="FFFFFF"/>
+                          </a:solidFill>
+                          <a:effectLst/>
+                        </a:rPr>
+                        <a:t>运算符 </a:t>
+                      </a:r>
+                    </a:p>
+                  </a:txBody>
+                  <a:tcPr marL="28575" marR="28575" marT="28575" marB="28575"/>
+                </a:tc>
+                <a:tc>
+                  <a:txBody>
+                    <a:bodyPr/>
+                    <a:lstStyle/>
+                    <a:p>
+                      <a:pPr algn="ctr" fontAlgn="t"/>
+                      <a:r>
+                        <a:rPr lang="zh-CN" altLang="en-US" sz="1600">
+                          <a:solidFill>
+                            <a:srgbClr val="FFFFFF"/>
+                          </a:solidFill>
+                          <a:effectLst/>
+                        </a:rPr>
+                        <a:t>结合性 </a:t>
+                      </a:r>
+                    </a:p>
+                  </a:txBody>
+                  <a:tcPr marL="28575" marR="28575" marT="28575" marB="28575"/>
+                </a:tc>
+                <a:extLst>
+                  <a:ext uri="{0D108BD9-81ED-4DB2-BD59-A6C34878D82A}">
+                    <a16:rowId xmlns:a16="http://schemas.microsoft.com/office/drawing/2014/main" val="1011603593"/>
+                  </a:ext>
+                </a:extLst>
+              </a:tr>
+              <a:tr h="349041">
+                <a:tc>
+                  <a:txBody>
+                    <a:bodyPr/>
+                    <a:lstStyle/>
+                    <a:p>
+                      <a:pPr algn="ctr" fontAlgn="t"/>
+                      <a:r>
+                        <a:rPr lang="zh-CN" altLang="en-US" sz="1600" dirty="0">
+                          <a:solidFill>
+                            <a:schemeClr val="accent1"/>
+                          </a:solidFill>
+                          <a:effectLst/>
+                        </a:rPr>
+                        <a:t>后缀 </a:t>
+                      </a:r>
+                    </a:p>
+                  </a:txBody>
+                  <a:tcPr marL="47625" marR="47625" marT="66675" marB="66675"/>
+                </a:tc>
+                <a:tc>
+                  <a:txBody>
+                    <a:bodyPr/>
+                    <a:lstStyle/>
+                    <a:p>
+                      <a:pPr algn="ctr" fontAlgn="t"/>
+                      <a:r>
+                        <a:rPr lang="en-US" altLang="zh-CN" sz="1600">
+                          <a:solidFill>
+                            <a:schemeClr val="accent1"/>
+                          </a:solidFill>
+                          <a:effectLst/>
+                        </a:rPr>
+                        <a:t>() [] -&gt; . ++ - -  </a:t>
+                      </a:r>
+                    </a:p>
+                  </a:txBody>
+                  <a:tcPr marL="47625" marR="47625" marT="66675" marB="66675"/>
+                </a:tc>
+                <a:tc>
+                  <a:txBody>
+                    <a:bodyPr/>
+                    <a:lstStyle/>
+                    <a:p>
+                      <a:pPr algn="ctr" fontAlgn="t"/>
+                      <a:r>
+                        <a:rPr lang="zh-CN" altLang="en-US" sz="1600">
+                          <a:solidFill>
+                            <a:schemeClr val="accent1"/>
+                          </a:solidFill>
+                          <a:effectLst/>
+                        </a:rPr>
+                        <a:t>从左到右 </a:t>
+                      </a:r>
+                    </a:p>
+                  </a:txBody>
+                  <a:tcPr marL="47625" marR="47625" marT="66675" marB="66675"/>
+                </a:tc>
+                <a:extLst>
+                  <a:ext uri="{0D108BD9-81ED-4DB2-BD59-A6C34878D82A}">
+                    <a16:rowId xmlns:a16="http://schemas.microsoft.com/office/drawing/2014/main" val="1335278184"/>
+                  </a:ext>
+                </a:extLst>
+              </a:tr>
+              <a:tr h="583910">
+                <a:tc>
+                  <a:txBody>
+                    <a:bodyPr/>
+                    <a:lstStyle/>
+                    <a:p>
+                      <a:pPr algn="ctr" fontAlgn="t"/>
+                      <a:r>
+                        <a:rPr lang="zh-CN" altLang="en-US" sz="1600" dirty="0">
+                          <a:solidFill>
+                            <a:schemeClr val="accent1"/>
+                          </a:solidFill>
+                          <a:effectLst/>
+                        </a:rPr>
+                        <a:t>一元 </a:t>
+                      </a:r>
+                    </a:p>
+                  </a:txBody>
+                  <a:tcPr marL="47625" marR="47625" marT="66675" marB="66675"/>
+                </a:tc>
+                <a:tc>
+                  <a:txBody>
+                    <a:bodyPr/>
+                    <a:lstStyle/>
+                    <a:p>
+                      <a:pPr algn="ctr" fontAlgn="t"/>
+                      <a:r>
+                        <a:rPr lang="en-US" sz="1600">
+                          <a:solidFill>
+                            <a:schemeClr val="accent1"/>
+                          </a:solidFill>
+                          <a:effectLst/>
+                        </a:rPr>
+                        <a:t>+ - ! ~ ++ - - (type)* &amp; sizeof </a:t>
+                      </a:r>
+                    </a:p>
+                  </a:txBody>
+                  <a:tcPr marL="47625" marR="47625" marT="66675" marB="66675"/>
+                </a:tc>
+                <a:tc>
+                  <a:txBody>
+                    <a:bodyPr/>
+                    <a:lstStyle/>
+                    <a:p>
+                      <a:pPr algn="ctr" fontAlgn="t"/>
+                      <a:r>
+                        <a:rPr lang="zh-CN" altLang="en-US" sz="1600">
+                          <a:solidFill>
+                            <a:schemeClr val="accent1"/>
+                          </a:solidFill>
+                          <a:effectLst/>
+                        </a:rPr>
+                        <a:t>从右到左 </a:t>
+                      </a:r>
+                    </a:p>
+                  </a:txBody>
+                  <a:tcPr marL="47625" marR="47625" marT="66675" marB="66675"/>
+                </a:tc>
+                <a:extLst>
+                  <a:ext uri="{0D108BD9-81ED-4DB2-BD59-A6C34878D82A}">
+                    <a16:rowId xmlns:a16="http://schemas.microsoft.com/office/drawing/2014/main" val="2313091934"/>
+                  </a:ext>
+                </a:extLst>
+              </a:tr>
+              <a:tr h="349041">
+                <a:tc>
+                  <a:txBody>
+                    <a:bodyPr/>
+                    <a:lstStyle/>
+                    <a:p>
+                      <a:pPr algn="ctr" fontAlgn="t"/>
+                      <a:r>
+                        <a:rPr lang="zh-CN" altLang="en-US" sz="1600" dirty="0">
+                          <a:solidFill>
+                            <a:schemeClr val="accent1"/>
+                          </a:solidFill>
+                          <a:effectLst/>
+                        </a:rPr>
+                        <a:t>乘除 </a:t>
+                      </a:r>
+                    </a:p>
+                  </a:txBody>
+                  <a:tcPr marL="47625" marR="47625" marT="66675" marB="66675"/>
+                </a:tc>
+                <a:tc>
+                  <a:txBody>
+                    <a:bodyPr/>
+                    <a:lstStyle/>
+                    <a:p>
+                      <a:pPr algn="ctr" fontAlgn="t"/>
+                      <a:r>
+                        <a:rPr lang="zh-CN" altLang="en-US" sz="1600">
+                          <a:solidFill>
+                            <a:schemeClr val="accent1"/>
+                          </a:solidFill>
+                          <a:effectLst/>
+                        </a:rPr>
+                        <a:t>* </a:t>
+                      </a:r>
+                      <a:r>
+                        <a:rPr lang="en-US" altLang="zh-CN" sz="1600">
+                          <a:solidFill>
+                            <a:schemeClr val="accent1"/>
+                          </a:solidFill>
+                          <a:effectLst/>
+                        </a:rPr>
+                        <a:t>/ % </a:t>
+                      </a:r>
+                    </a:p>
+                  </a:txBody>
+                  <a:tcPr marL="47625" marR="47625" marT="66675" marB="66675"/>
+                </a:tc>
+                <a:tc>
+                  <a:txBody>
+                    <a:bodyPr/>
+                    <a:lstStyle/>
+                    <a:p>
+                      <a:pPr algn="ctr" fontAlgn="t"/>
+                      <a:r>
+                        <a:rPr lang="zh-CN" altLang="en-US" sz="1600">
+                          <a:solidFill>
+                            <a:schemeClr val="accent1"/>
+                          </a:solidFill>
+                          <a:effectLst/>
+                        </a:rPr>
+                        <a:t>从左到右 </a:t>
+                      </a:r>
+                    </a:p>
+                  </a:txBody>
+                  <a:tcPr marL="47625" marR="47625" marT="66675" marB="66675"/>
+                </a:tc>
+                <a:extLst>
+                  <a:ext uri="{0D108BD9-81ED-4DB2-BD59-A6C34878D82A}">
+                    <a16:rowId xmlns:a16="http://schemas.microsoft.com/office/drawing/2014/main" val="344120624"/>
+                  </a:ext>
+                </a:extLst>
+              </a:tr>
+              <a:tr h="349041">
+                <a:tc>
+                  <a:txBody>
+                    <a:bodyPr/>
+                    <a:lstStyle/>
+                    <a:p>
+                      <a:pPr algn="ctr" fontAlgn="t"/>
+                      <a:r>
+                        <a:rPr lang="zh-CN" altLang="en-US" sz="1600" dirty="0">
+                          <a:solidFill>
+                            <a:schemeClr val="accent1"/>
+                          </a:solidFill>
+                          <a:effectLst/>
+                        </a:rPr>
+                        <a:t>加减 </a:t>
+                      </a:r>
+                    </a:p>
+                  </a:txBody>
+                  <a:tcPr marL="47625" marR="47625" marT="66675" marB="66675"/>
+                </a:tc>
+                <a:tc>
+                  <a:txBody>
+                    <a:bodyPr/>
+                    <a:lstStyle/>
+                    <a:p>
+                      <a:pPr algn="ctr" fontAlgn="t"/>
+                      <a:r>
+                        <a:rPr lang="en-US" altLang="zh-CN" sz="1600">
+                          <a:solidFill>
+                            <a:schemeClr val="accent1"/>
+                          </a:solidFill>
+                          <a:effectLst/>
+                        </a:rPr>
+                        <a:t>+ - </a:t>
+                      </a:r>
+                    </a:p>
+                  </a:txBody>
+                  <a:tcPr marL="47625" marR="47625" marT="66675" marB="66675"/>
+                </a:tc>
+                <a:tc>
+                  <a:txBody>
+                    <a:bodyPr/>
+                    <a:lstStyle/>
+                    <a:p>
+                      <a:pPr algn="ctr" fontAlgn="t"/>
+                      <a:r>
+                        <a:rPr lang="zh-CN" altLang="en-US" sz="1600">
+                          <a:solidFill>
+                            <a:schemeClr val="accent1"/>
+                          </a:solidFill>
+                          <a:effectLst/>
+                        </a:rPr>
+                        <a:t>从左到右 </a:t>
+                      </a:r>
+                    </a:p>
+                  </a:txBody>
+                  <a:tcPr marL="47625" marR="47625" marT="66675" marB="66675"/>
+                </a:tc>
+                <a:extLst>
+                  <a:ext uri="{0D108BD9-81ED-4DB2-BD59-A6C34878D82A}">
+                    <a16:rowId xmlns:a16="http://schemas.microsoft.com/office/drawing/2014/main" val="829416860"/>
+                  </a:ext>
+                </a:extLst>
+              </a:tr>
+              <a:tr h="349041">
+                <a:tc>
+                  <a:txBody>
+                    <a:bodyPr/>
+                    <a:lstStyle/>
+                    <a:p>
+                      <a:pPr algn="ctr" fontAlgn="t"/>
+                      <a:r>
+                        <a:rPr lang="zh-CN" altLang="en-US" sz="1600" dirty="0">
+                          <a:solidFill>
+                            <a:schemeClr val="accent1"/>
+                          </a:solidFill>
+                          <a:effectLst/>
+                        </a:rPr>
+                        <a:t>移位 </a:t>
+                      </a:r>
+                    </a:p>
+                  </a:txBody>
+                  <a:tcPr marL="47625" marR="47625" marT="66675" marB="66675"/>
+                </a:tc>
+                <a:tc>
+                  <a:txBody>
+                    <a:bodyPr/>
+                    <a:lstStyle/>
+                    <a:p>
+                      <a:pPr algn="ctr" fontAlgn="t"/>
+                      <a:r>
+                        <a:rPr lang="en-US" altLang="zh-CN" sz="1600">
+                          <a:solidFill>
+                            <a:schemeClr val="accent1"/>
+                          </a:solidFill>
+                          <a:effectLst/>
+                        </a:rPr>
+                        <a:t>&lt;&lt; &gt;&gt; </a:t>
+                      </a:r>
+                    </a:p>
+                  </a:txBody>
+                  <a:tcPr marL="47625" marR="47625" marT="66675" marB="66675"/>
+                </a:tc>
+                <a:tc>
+                  <a:txBody>
+                    <a:bodyPr/>
+                    <a:lstStyle/>
+                    <a:p>
+                      <a:pPr algn="ctr" fontAlgn="t"/>
+                      <a:r>
+                        <a:rPr lang="zh-CN" altLang="en-US" sz="1600">
+                          <a:solidFill>
+                            <a:schemeClr val="accent1"/>
+                          </a:solidFill>
+                          <a:effectLst/>
+                        </a:rPr>
+                        <a:t>从左到右 </a:t>
+                      </a:r>
+                    </a:p>
+                  </a:txBody>
+                  <a:tcPr marL="47625" marR="47625" marT="66675" marB="66675"/>
+                </a:tc>
+                <a:extLst>
+                  <a:ext uri="{0D108BD9-81ED-4DB2-BD59-A6C34878D82A}">
+                    <a16:rowId xmlns:a16="http://schemas.microsoft.com/office/drawing/2014/main" val="1757395867"/>
+                  </a:ext>
+                </a:extLst>
+              </a:tr>
+              <a:tr h="349041">
+                <a:tc>
+                  <a:txBody>
+                    <a:bodyPr/>
+                    <a:lstStyle/>
+                    <a:p>
+                      <a:pPr algn="ctr" fontAlgn="t"/>
+                      <a:r>
+                        <a:rPr lang="zh-CN" altLang="en-US" sz="1600">
+                          <a:solidFill>
+                            <a:schemeClr val="accent1"/>
+                          </a:solidFill>
+                          <a:effectLst/>
+                        </a:rPr>
+                        <a:t>关系 </a:t>
+                      </a:r>
+                    </a:p>
+                  </a:txBody>
+                  <a:tcPr marL="47625" marR="47625" marT="66675" marB="66675"/>
+                </a:tc>
+                <a:tc>
+                  <a:txBody>
+                    <a:bodyPr/>
+                    <a:lstStyle/>
+                    <a:p>
+                      <a:pPr algn="ctr" fontAlgn="t"/>
+                      <a:r>
+                        <a:rPr lang="en-US" altLang="zh-CN" sz="1600" dirty="0">
+                          <a:solidFill>
+                            <a:schemeClr val="accent1"/>
+                          </a:solidFill>
+                          <a:effectLst/>
+                        </a:rPr>
+                        <a:t>&lt; &lt;= &gt; &gt;= </a:t>
+                      </a:r>
+                    </a:p>
+                  </a:txBody>
+                  <a:tcPr marL="47625" marR="47625" marT="66675" marB="66675"/>
+                </a:tc>
+                <a:tc>
+                  <a:txBody>
+                    <a:bodyPr/>
+                    <a:lstStyle/>
+                    <a:p>
+                      <a:pPr algn="ctr" fontAlgn="t"/>
+                      <a:r>
+                        <a:rPr lang="zh-CN" altLang="en-US" sz="1600">
+                          <a:solidFill>
+                            <a:schemeClr val="accent1"/>
+                          </a:solidFill>
+                          <a:effectLst/>
+                        </a:rPr>
+                        <a:t>从左到右 </a:t>
+                      </a:r>
+                    </a:p>
+                  </a:txBody>
+                  <a:tcPr marL="47625" marR="47625" marT="66675" marB="66675"/>
+                </a:tc>
+                <a:extLst>
+                  <a:ext uri="{0D108BD9-81ED-4DB2-BD59-A6C34878D82A}">
+                    <a16:rowId xmlns:a16="http://schemas.microsoft.com/office/drawing/2014/main" val="3237442986"/>
+                  </a:ext>
+                </a:extLst>
+              </a:tr>
+              <a:tr h="349041">
+                <a:tc>
+                  <a:txBody>
+                    <a:bodyPr/>
+                    <a:lstStyle/>
+                    <a:p>
+                      <a:pPr algn="ctr" fontAlgn="t"/>
+                      <a:r>
+                        <a:rPr lang="zh-CN" altLang="en-US" sz="1600">
+                          <a:solidFill>
+                            <a:schemeClr val="accent1"/>
+                          </a:solidFill>
+                          <a:effectLst/>
+                        </a:rPr>
+                        <a:t>相等 </a:t>
+                      </a:r>
+                    </a:p>
+                  </a:txBody>
+                  <a:tcPr marL="47625" marR="47625" marT="66675" marB="66675"/>
+                </a:tc>
+                <a:tc>
+                  <a:txBody>
+                    <a:bodyPr/>
+                    <a:lstStyle/>
+                    <a:p>
+                      <a:pPr algn="ctr" fontAlgn="t"/>
+                      <a:r>
+                        <a:rPr lang="en-US" altLang="zh-CN" sz="1600" dirty="0">
+                          <a:solidFill>
+                            <a:schemeClr val="accent1"/>
+                          </a:solidFill>
+                          <a:effectLst/>
+                        </a:rPr>
+                        <a:t>== != </a:t>
+                      </a:r>
+                    </a:p>
+                  </a:txBody>
+                  <a:tcPr marL="47625" marR="47625" marT="66675" marB="66675"/>
+                </a:tc>
+                <a:tc>
+                  <a:txBody>
+                    <a:bodyPr/>
+                    <a:lstStyle/>
+                    <a:p>
+                      <a:pPr algn="ctr" fontAlgn="t"/>
+                      <a:r>
+                        <a:rPr lang="zh-CN" altLang="en-US" sz="1600">
+                          <a:solidFill>
+                            <a:schemeClr val="accent1"/>
+                          </a:solidFill>
+                          <a:effectLst/>
+                        </a:rPr>
+                        <a:t>从左到右 </a:t>
+                      </a:r>
+                    </a:p>
+                  </a:txBody>
+                  <a:tcPr marL="47625" marR="47625" marT="66675" marB="66675"/>
+                </a:tc>
+                <a:extLst>
+                  <a:ext uri="{0D108BD9-81ED-4DB2-BD59-A6C34878D82A}">
+                    <a16:rowId xmlns:a16="http://schemas.microsoft.com/office/drawing/2014/main" val="816947633"/>
+                  </a:ext>
+                </a:extLst>
+              </a:tr>
+              <a:tr h="349041">
+                <a:tc>
+                  <a:txBody>
+                    <a:bodyPr/>
+                    <a:lstStyle/>
+                    <a:p>
+                      <a:pPr algn="ctr" fontAlgn="t"/>
+                      <a:r>
+                        <a:rPr lang="zh-CN" altLang="en-US" sz="1600">
+                          <a:solidFill>
+                            <a:schemeClr val="accent1"/>
+                          </a:solidFill>
+                          <a:effectLst/>
+                        </a:rPr>
+                        <a:t>位与 </a:t>
+                      </a:r>
+                      <a:r>
+                        <a:rPr lang="en-US" sz="1600">
+                          <a:solidFill>
+                            <a:schemeClr val="accent1"/>
+                          </a:solidFill>
+                          <a:effectLst/>
+                        </a:rPr>
+                        <a:t>AND </a:t>
+                      </a:r>
+                    </a:p>
+                  </a:txBody>
+                  <a:tcPr marL="47625" marR="47625" marT="66675" marB="66675"/>
+                </a:tc>
+                <a:tc>
+                  <a:txBody>
+                    <a:bodyPr/>
+                    <a:lstStyle/>
+                    <a:p>
+                      <a:pPr algn="ctr" fontAlgn="t"/>
+                      <a:r>
+                        <a:rPr lang="en-US" altLang="zh-CN" sz="1600" dirty="0">
+                          <a:solidFill>
+                            <a:schemeClr val="accent1"/>
+                          </a:solidFill>
+                          <a:effectLst/>
+                        </a:rPr>
+                        <a:t>&amp; </a:t>
+                      </a:r>
+                    </a:p>
+                  </a:txBody>
+                  <a:tcPr marL="47625" marR="47625" marT="66675" marB="66675"/>
+                </a:tc>
+                <a:tc>
+                  <a:txBody>
+                    <a:bodyPr/>
+                    <a:lstStyle/>
+                    <a:p>
+                      <a:pPr algn="ctr" fontAlgn="t"/>
+                      <a:r>
+                        <a:rPr lang="zh-CN" altLang="en-US" sz="1600">
+                          <a:solidFill>
+                            <a:schemeClr val="accent1"/>
+                          </a:solidFill>
+                          <a:effectLst/>
+                        </a:rPr>
+                        <a:t>从左到右 </a:t>
+                      </a:r>
+                    </a:p>
+                  </a:txBody>
+                  <a:tcPr marL="47625" marR="47625" marT="66675" marB="66675"/>
+                </a:tc>
+                <a:extLst>
+                  <a:ext uri="{0D108BD9-81ED-4DB2-BD59-A6C34878D82A}">
+                    <a16:rowId xmlns:a16="http://schemas.microsoft.com/office/drawing/2014/main" val="4150000887"/>
+                  </a:ext>
+                </a:extLst>
+              </a:tr>
+              <a:tr h="349041">
+                <a:tc>
+                  <a:txBody>
+                    <a:bodyPr/>
+                    <a:lstStyle/>
+                    <a:p>
+                      <a:pPr algn="ctr" fontAlgn="t"/>
+                      <a:r>
+                        <a:rPr lang="zh-CN" altLang="en-US" sz="1600">
+                          <a:solidFill>
+                            <a:schemeClr val="accent1"/>
+                          </a:solidFill>
+                          <a:effectLst/>
+                        </a:rPr>
+                        <a:t>位异或 </a:t>
+                      </a:r>
+                      <a:r>
+                        <a:rPr lang="en-US" sz="1600">
+                          <a:solidFill>
+                            <a:schemeClr val="accent1"/>
+                          </a:solidFill>
+                          <a:effectLst/>
+                        </a:rPr>
+                        <a:t>XOR </a:t>
+                      </a:r>
+                    </a:p>
+                  </a:txBody>
+                  <a:tcPr marL="47625" marR="47625" marT="66675" marB="66675"/>
+                </a:tc>
+                <a:tc>
+                  <a:txBody>
+                    <a:bodyPr/>
+                    <a:lstStyle/>
+                    <a:p>
+                      <a:pPr algn="ctr" fontAlgn="t"/>
+                      <a:r>
+                        <a:rPr lang="en-US" altLang="zh-CN" sz="1600" dirty="0">
+                          <a:solidFill>
+                            <a:schemeClr val="accent1"/>
+                          </a:solidFill>
+                          <a:effectLst/>
+                        </a:rPr>
+                        <a:t>^ </a:t>
+                      </a:r>
+                    </a:p>
+                  </a:txBody>
+                  <a:tcPr marL="47625" marR="47625" marT="66675" marB="66675"/>
+                </a:tc>
+                <a:tc>
+                  <a:txBody>
+                    <a:bodyPr/>
+                    <a:lstStyle/>
+                    <a:p>
+                      <a:pPr algn="ctr" fontAlgn="t"/>
+                      <a:r>
+                        <a:rPr lang="zh-CN" altLang="en-US" sz="1600">
+                          <a:solidFill>
+                            <a:schemeClr val="accent1"/>
+                          </a:solidFill>
+                          <a:effectLst/>
+                        </a:rPr>
+                        <a:t>从左到右 </a:t>
+                      </a:r>
+                    </a:p>
+                  </a:txBody>
+                  <a:tcPr marL="47625" marR="47625" marT="66675" marB="66675"/>
+                </a:tc>
+                <a:extLst>
+                  <a:ext uri="{0D108BD9-81ED-4DB2-BD59-A6C34878D82A}">
+                    <a16:rowId xmlns:a16="http://schemas.microsoft.com/office/drawing/2014/main" val="824497010"/>
+                  </a:ext>
+                </a:extLst>
+              </a:tr>
+              <a:tr h="349041">
+                <a:tc>
+                  <a:txBody>
+                    <a:bodyPr/>
+                    <a:lstStyle/>
+                    <a:p>
+                      <a:pPr algn="ctr" fontAlgn="t"/>
+                      <a:r>
+                        <a:rPr lang="zh-CN" altLang="en-US" sz="1600">
+                          <a:solidFill>
+                            <a:schemeClr val="accent1"/>
+                          </a:solidFill>
+                          <a:effectLst/>
+                        </a:rPr>
+                        <a:t>位或 </a:t>
+                      </a:r>
+                      <a:r>
+                        <a:rPr lang="en-US" sz="1600">
+                          <a:solidFill>
+                            <a:schemeClr val="accent1"/>
+                          </a:solidFill>
+                          <a:effectLst/>
+                        </a:rPr>
+                        <a:t>OR </a:t>
+                      </a:r>
+                    </a:p>
+                  </a:txBody>
+                  <a:tcPr marL="47625" marR="47625" marT="66675" marB="66675"/>
+                </a:tc>
+                <a:tc>
+                  <a:txBody>
+                    <a:bodyPr/>
+                    <a:lstStyle/>
+                    <a:p>
+                      <a:pPr algn="ctr" fontAlgn="t"/>
+                      <a:r>
+                        <a:rPr lang="en-US" altLang="zh-CN" sz="1600" dirty="0">
+                          <a:solidFill>
+                            <a:schemeClr val="accent1"/>
+                          </a:solidFill>
+                          <a:effectLst/>
+                        </a:rPr>
+                        <a:t>| </a:t>
+                      </a:r>
+                    </a:p>
+                  </a:txBody>
+                  <a:tcPr marL="47625" marR="47625" marT="66675" marB="66675"/>
+                </a:tc>
+                <a:tc>
+                  <a:txBody>
+                    <a:bodyPr/>
+                    <a:lstStyle/>
+                    <a:p>
+                      <a:pPr algn="ctr" fontAlgn="t"/>
+                      <a:r>
+                        <a:rPr lang="zh-CN" altLang="en-US" sz="1600">
+                          <a:solidFill>
+                            <a:schemeClr val="accent1"/>
+                          </a:solidFill>
+                          <a:effectLst/>
+                        </a:rPr>
+                        <a:t>从左到右 </a:t>
+                      </a:r>
+                    </a:p>
+                  </a:txBody>
+                  <a:tcPr marL="47625" marR="47625" marT="66675" marB="66675"/>
+                </a:tc>
+                <a:extLst>
+                  <a:ext uri="{0D108BD9-81ED-4DB2-BD59-A6C34878D82A}">
+                    <a16:rowId xmlns:a16="http://schemas.microsoft.com/office/drawing/2014/main" val="3238202764"/>
+                  </a:ext>
+                </a:extLst>
+              </a:tr>
+              <a:tr h="349041">
+                <a:tc>
+                  <a:txBody>
+                    <a:bodyPr/>
+                    <a:lstStyle/>
+                    <a:p>
+                      <a:pPr algn="ctr" fontAlgn="t"/>
+                      <a:r>
+                        <a:rPr lang="zh-CN" altLang="en-US" sz="1600">
+                          <a:solidFill>
+                            <a:schemeClr val="accent1"/>
+                          </a:solidFill>
+                          <a:effectLst/>
+                        </a:rPr>
+                        <a:t>逻辑与 </a:t>
+                      </a:r>
+                      <a:r>
+                        <a:rPr lang="en-US" sz="1600">
+                          <a:solidFill>
+                            <a:schemeClr val="accent1"/>
+                          </a:solidFill>
+                          <a:effectLst/>
+                        </a:rPr>
+                        <a:t>AND </a:t>
+                      </a:r>
+                    </a:p>
+                  </a:txBody>
+                  <a:tcPr marL="47625" marR="47625" marT="66675" marB="66675"/>
+                </a:tc>
+                <a:tc>
+                  <a:txBody>
+                    <a:bodyPr/>
+                    <a:lstStyle/>
+                    <a:p>
+                      <a:pPr algn="ctr" fontAlgn="t"/>
+                      <a:r>
+                        <a:rPr lang="en-US" altLang="zh-CN" sz="1600" dirty="0">
+                          <a:solidFill>
+                            <a:schemeClr val="accent1"/>
+                          </a:solidFill>
+                          <a:effectLst/>
+                        </a:rPr>
+                        <a:t>&amp;&amp; </a:t>
+                      </a:r>
+                    </a:p>
+                  </a:txBody>
+                  <a:tcPr marL="47625" marR="47625" marT="66675" marB="66675"/>
+                </a:tc>
+                <a:tc>
+                  <a:txBody>
+                    <a:bodyPr/>
+                    <a:lstStyle/>
+                    <a:p>
+                      <a:pPr algn="ctr" fontAlgn="t"/>
+                      <a:r>
+                        <a:rPr lang="zh-CN" altLang="en-US" sz="1600" dirty="0">
+                          <a:solidFill>
+                            <a:schemeClr val="accent1"/>
+                          </a:solidFill>
+                          <a:effectLst/>
+                        </a:rPr>
+                        <a:t>从左到右 </a:t>
+                      </a:r>
+                    </a:p>
+                  </a:txBody>
+                  <a:tcPr marL="47625" marR="47625" marT="66675" marB="66675"/>
+                </a:tc>
+                <a:extLst>
+                  <a:ext uri="{0D108BD9-81ED-4DB2-BD59-A6C34878D82A}">
+                    <a16:rowId xmlns:a16="http://schemas.microsoft.com/office/drawing/2014/main" val="3888078346"/>
+                  </a:ext>
+                </a:extLst>
+              </a:tr>
+              <a:tr h="349041">
+                <a:tc>
+                  <a:txBody>
+                    <a:bodyPr/>
+                    <a:lstStyle/>
+                    <a:p>
+                      <a:pPr algn="ctr" fontAlgn="t"/>
+                      <a:r>
+                        <a:rPr lang="zh-CN" altLang="en-US" sz="1600">
+                          <a:solidFill>
+                            <a:schemeClr val="accent1"/>
+                          </a:solidFill>
+                          <a:effectLst/>
+                        </a:rPr>
+                        <a:t>逻辑或 </a:t>
+                      </a:r>
+                      <a:r>
+                        <a:rPr lang="en-US" sz="1600">
+                          <a:solidFill>
+                            <a:schemeClr val="accent1"/>
+                          </a:solidFill>
+                          <a:effectLst/>
+                        </a:rPr>
+                        <a:t>OR </a:t>
+                      </a:r>
+                    </a:p>
+                  </a:txBody>
+                  <a:tcPr marL="47625" marR="47625" marT="66675" marB="66675"/>
+                </a:tc>
+                <a:tc>
+                  <a:txBody>
+                    <a:bodyPr/>
+                    <a:lstStyle/>
+                    <a:p>
+                      <a:pPr algn="ctr" fontAlgn="t"/>
+                      <a:r>
+                        <a:rPr lang="en-US" altLang="zh-CN" sz="1600" dirty="0">
+                          <a:solidFill>
+                            <a:schemeClr val="accent1"/>
+                          </a:solidFill>
+                          <a:effectLst/>
+                        </a:rPr>
+                        <a:t>|| </a:t>
+                      </a:r>
+                    </a:p>
+                  </a:txBody>
+                  <a:tcPr marL="47625" marR="47625" marT="66675" marB="66675"/>
+                </a:tc>
+                <a:tc>
+                  <a:txBody>
+                    <a:bodyPr/>
+                    <a:lstStyle/>
+                    <a:p>
+                      <a:pPr algn="ctr" fontAlgn="t"/>
+                      <a:r>
+                        <a:rPr lang="zh-CN" altLang="en-US" sz="1600" dirty="0">
+                          <a:solidFill>
+                            <a:schemeClr val="accent1"/>
+                          </a:solidFill>
+                          <a:effectLst/>
+                        </a:rPr>
+                        <a:t>从左到右 </a:t>
+                      </a:r>
+                    </a:p>
+                  </a:txBody>
+                  <a:tcPr marL="47625" marR="47625" marT="66675" marB="66675"/>
+                </a:tc>
+                <a:extLst>
+                  <a:ext uri="{0D108BD9-81ED-4DB2-BD59-A6C34878D82A}">
+                    <a16:rowId xmlns:a16="http://schemas.microsoft.com/office/drawing/2014/main" val="3636084735"/>
+                  </a:ext>
+                </a:extLst>
+              </a:tr>
+              <a:tr h="349041">
+                <a:tc>
+                  <a:txBody>
+                    <a:bodyPr/>
+                    <a:lstStyle/>
+                    <a:p>
+                      <a:pPr algn="ctr" fontAlgn="t"/>
+                      <a:r>
+                        <a:rPr lang="zh-CN" altLang="en-US" sz="1600">
+                          <a:solidFill>
+                            <a:schemeClr val="accent1"/>
+                          </a:solidFill>
+                          <a:effectLst/>
+                        </a:rPr>
+                        <a:t>条件 </a:t>
+                      </a:r>
+                    </a:p>
+                  </a:txBody>
+                  <a:tcPr marL="47625" marR="47625" marT="66675" marB="66675"/>
+                </a:tc>
+                <a:tc>
+                  <a:txBody>
+                    <a:bodyPr/>
+                    <a:lstStyle/>
+                    <a:p>
+                      <a:pPr algn="ctr" fontAlgn="t"/>
+                      <a:r>
+                        <a:rPr lang="en-US" altLang="zh-CN" sz="1600">
+                          <a:solidFill>
+                            <a:schemeClr val="accent1"/>
+                          </a:solidFill>
+                          <a:effectLst/>
+                        </a:rPr>
+                        <a:t>?: </a:t>
+                      </a:r>
+                    </a:p>
+                  </a:txBody>
+                  <a:tcPr marL="47625" marR="47625" marT="66675" marB="66675"/>
+                </a:tc>
+                <a:tc>
+                  <a:txBody>
+                    <a:bodyPr/>
+                    <a:lstStyle/>
+                    <a:p>
+                      <a:pPr algn="ctr" fontAlgn="t"/>
+                      <a:r>
+                        <a:rPr lang="zh-CN" altLang="en-US" sz="1600" dirty="0">
+                          <a:solidFill>
+                            <a:schemeClr val="accent1"/>
+                          </a:solidFill>
+                          <a:effectLst/>
+                        </a:rPr>
+                        <a:t>从右到左 </a:t>
+                      </a:r>
+                    </a:p>
+                  </a:txBody>
+                  <a:tcPr marL="47625" marR="47625" marT="66675" marB="66675"/>
+                </a:tc>
+                <a:extLst>
+                  <a:ext uri="{0D108BD9-81ED-4DB2-BD59-A6C34878D82A}">
+                    <a16:rowId xmlns:a16="http://schemas.microsoft.com/office/drawing/2014/main" val="1833768818"/>
+                  </a:ext>
+                </a:extLst>
+              </a:tr>
+              <a:tr h="583910">
+                <a:tc>
+                  <a:txBody>
+                    <a:bodyPr/>
+                    <a:lstStyle/>
+                    <a:p>
+                      <a:pPr algn="ctr" fontAlgn="t"/>
+                      <a:r>
+                        <a:rPr lang="zh-CN" altLang="en-US" sz="1600">
+                          <a:solidFill>
+                            <a:schemeClr val="accent1"/>
+                          </a:solidFill>
+                          <a:effectLst/>
+                        </a:rPr>
+                        <a:t>赋值 </a:t>
+                      </a:r>
+                    </a:p>
+                  </a:txBody>
+                  <a:tcPr marL="47625" marR="47625" marT="66675" marB="66675"/>
+                </a:tc>
+                <a:tc>
+                  <a:txBody>
+                    <a:bodyPr/>
+                    <a:lstStyle/>
+                    <a:p>
+                      <a:pPr algn="ctr" fontAlgn="t"/>
+                      <a:r>
+                        <a:rPr lang="en-US" altLang="zh-CN" sz="1600">
+                          <a:solidFill>
+                            <a:schemeClr val="accent1"/>
+                          </a:solidFill>
+                          <a:effectLst/>
+                        </a:rPr>
+                        <a:t>= += -= *= /= %=&gt;&gt;= &lt;&lt;= &amp;= ^= |= </a:t>
+                      </a:r>
+                    </a:p>
+                  </a:txBody>
+                  <a:tcPr marL="47625" marR="47625" marT="66675" marB="66675"/>
+                </a:tc>
+                <a:tc>
+                  <a:txBody>
+                    <a:bodyPr/>
+                    <a:lstStyle/>
+                    <a:p>
+                      <a:pPr algn="ctr" fontAlgn="t"/>
+                      <a:r>
+                        <a:rPr lang="zh-CN" altLang="en-US" sz="1600" dirty="0">
+                          <a:solidFill>
+                            <a:schemeClr val="accent1"/>
+                          </a:solidFill>
+                          <a:effectLst/>
+                        </a:rPr>
+                        <a:t>从右到左 </a:t>
+                      </a:r>
+                    </a:p>
+                  </a:txBody>
+                  <a:tcPr marL="47625" marR="47625" marT="66675" marB="66675"/>
+                </a:tc>
+                <a:extLst>
+                  <a:ext uri="{0D108BD9-81ED-4DB2-BD59-A6C34878D82A}">
+                    <a16:rowId xmlns:a16="http://schemas.microsoft.com/office/drawing/2014/main" val="78584154"/>
+                  </a:ext>
+                </a:extLst>
+              </a:tr>
+              <a:tr h="349041">
+                <a:tc>
+                  <a:txBody>
+                    <a:bodyPr/>
+                    <a:lstStyle/>
+                    <a:p>
+                      <a:pPr algn="ctr" fontAlgn="t"/>
+                      <a:r>
+                        <a:rPr lang="zh-CN" altLang="en-US" sz="1600">
+                          <a:solidFill>
+                            <a:schemeClr val="accent1"/>
+                          </a:solidFill>
+                          <a:effectLst/>
+                        </a:rPr>
+                        <a:t>逗号 </a:t>
+                      </a:r>
+                    </a:p>
+                  </a:txBody>
+                  <a:tcPr marL="47625" marR="47625" marT="66675" marB="66675"/>
+                </a:tc>
+                <a:tc>
+                  <a:txBody>
+                    <a:bodyPr/>
+                    <a:lstStyle/>
+                    <a:p>
+                      <a:pPr algn="ctr" fontAlgn="t"/>
+                      <a:r>
+                        <a:rPr lang="en-US" altLang="zh-CN" sz="1600">
+                          <a:solidFill>
+                            <a:schemeClr val="accent1"/>
+                          </a:solidFill>
+                          <a:effectLst/>
+                        </a:rPr>
+                        <a:t>, </a:t>
+                      </a:r>
+                    </a:p>
+                  </a:txBody>
+                  <a:tcPr marL="47625" marR="47625" marT="66675" marB="66675"/>
+                </a:tc>
+                <a:tc>
+                  <a:txBody>
+                    <a:bodyPr/>
+                    <a:lstStyle/>
+                    <a:p>
+                      <a:pPr algn="ctr" fontAlgn="t"/>
+                      <a:r>
+                        <a:rPr lang="zh-CN" altLang="en-US" sz="1600" dirty="0">
+                          <a:solidFill>
+                            <a:schemeClr val="accent1"/>
+                          </a:solidFill>
+                          <a:effectLst/>
+                        </a:rPr>
+                        <a:t>从左到右 </a:t>
+                      </a:r>
+                    </a:p>
+                  </a:txBody>
+                  <a:tcPr marL="47625" marR="47625" marT="66675" marB="66675"/>
+                </a:tc>
+                <a:extLst>
+                  <a:ext uri="{0D108BD9-81ED-4DB2-BD59-A6C34878D82A}">
+                    <a16:rowId xmlns:a16="http://schemas.microsoft.com/office/drawing/2014/main" val="730935011"/>
+                  </a:ext>
+                </a:extLst>
+              </a:tr>
+            </a:tbl>
+          </a:graphicData>
+        </a:graphic>
+      </p:graphicFrame>
+      <p:sp>
+        <p:nvSpPr>
+          <p:cNvPr id="3" name="文本框 2">
+            <a:extLst>
+              <a:ext uri="{FF2B5EF4-FFF2-40B4-BE49-F238E27FC236}">
+                <a16:creationId xmlns:a16="http://schemas.microsoft.com/office/drawing/2014/main" id="{94C58892-6311-4790-93B2-239E38EDFA9D}"/>
+              </a:ext>
+            </a:extLst>
+          </p:cNvPr>
+          <p:cNvSpPr txBox="1"/>
+          <p:nvPr/>
+        </p:nvSpPr>
+        <p:spPr>
+          <a:xfrm>
+            <a:off x="915645" y="1558835"/>
+            <a:ext cx="738664" cy="3323987"/>
+          </a:xfrm>
+          <a:prstGeom prst="rect">
+            <a:avLst/>
+          </a:prstGeom>
+          <a:noFill/>
+        </p:spPr>
+        <p:txBody>
+          <a:bodyPr vert="eaVert" wrap="none" rtlCol="0">
+            <a:spAutoFit/>
+          </a:bodyPr>
+          <a:lstStyle/>
+          <a:p>
+            <a:r>
+              <a:rPr lang="zh-CN" altLang="en-US" sz="3600" dirty="0">
+                <a:solidFill>
+                  <a:schemeClr val="bg1"/>
+                </a:solidFill>
+              </a:rPr>
+              <a:t>优先级有高到低</a:t>
+            </a:r>
+          </a:p>
+        </p:txBody>
+      </p:sp>
+    </p:spTree>
+    <p:extLst>
+      <p:ext uri="{BB962C8B-B14F-4D97-AF65-F5344CB8AC3E}">
+        <p14:creationId xmlns:p14="http://schemas.microsoft.com/office/powerpoint/2010/main" val="1199968394"/>
+      </p:ext>
+    </p:extLst>
+  </p:cSld>
+  <p:clrMapOvr>
+    <a:masterClrMapping/>
+  </p:clrMapOvr>
+  <mc:AlternateContent xmlns:mc="http://schemas.openxmlformats.org/markup-compatibility/2006" xmlns:p14="http://schemas.microsoft.com/office/powerpoint/2010/main">
+    <mc:Choice Requires="p14">
+      <p:transition spd="med" p14:dur="700">
+        <p:fade/>
+      </p:transition>
+    </mc:Choice>
+    <mc:Fallback xmlns="">
+      <p:transition spd="med">
+        <p:fade/>
+      </p:transition>
+    </mc:Fallback>
+  </mc:AlternateContent>
+</p:sld>
+</file>
+
+<file path=ppt/slides/slide26.xml><?xml version="1.0" encoding="utf-8"?>
+<p:sld xmlns:a="http://schemas.openxmlformats.org/drawingml/2006/main" xmlns:r="http://schemas.openxmlformats.org/officeDocument/2006/relationships" xmlns:p="http://schemas.openxmlformats.org/presentationml/2006/main">
+  <p:cSld>
+    <p:spTree>
+      <p:nvGrpSpPr>
+        <p:cNvPr id="1" name=""/>
+        <p:cNvGrpSpPr/>
+        <p:nvPr/>
+      </p:nvGrpSpPr>
+      <p:grpSpPr>
+        <a:xfrm>
+          <a:off x="0" y="0"/>
+          <a:ext cx="0" cy="0"/>
+          <a:chOff x="0" y="0"/>
+          <a:chExt cx="0" cy="0"/>
+        </a:xfrm>
+      </p:grpSpPr>
+      <p:pic>
+        <p:nvPicPr>
+          <p:cNvPr id="5" name="图片 4">
+            <a:extLst>
+              <a:ext uri="{FF2B5EF4-FFF2-40B4-BE49-F238E27FC236}">
+                <a16:creationId xmlns:a16="http://schemas.microsoft.com/office/drawing/2014/main" id="{FFBC54D9-EE7D-4F07-8427-DCC6BB637B01}"/>
+              </a:ext>
+            </a:extLst>
+          </p:cNvPr>
+          <p:cNvPicPr>
+            <a:picLocks noChangeAspect="1"/>
+          </p:cNvPicPr>
+          <p:nvPr/>
+        </p:nvPicPr>
+        <p:blipFill rotWithShape="1">
+          <a:blip r:embed="rId2">
+            <a:extLst>
+              <a:ext uri="{28A0092B-C50C-407E-A947-70E740481C1C}">
+                <a14:useLocalDpi xmlns:a14="http://schemas.microsoft.com/office/drawing/2010/main" val="0"/>
+              </a:ext>
+            </a:extLst>
+          </a:blip>
+          <a:srcRect l="1084" r="26027"/>
+          <a:stretch/>
+        </p:blipFill>
+        <p:spPr>
+          <a:xfrm>
+            <a:off x="20" y="10"/>
+            <a:ext cx="12191980" cy="6857990"/>
+          </a:xfrm>
+          <a:prstGeom prst="rect">
+            <a:avLst/>
+          </a:prstGeom>
+        </p:spPr>
+      </p:pic>
       <p:sp>
         <p:nvSpPr>
           <p:cNvPr id="4" name="文本框 3">
@@ -16812,7 +18064,7 @@
 </p:sld>
 </file>
 
-<file path=ppt/slides/slide26.xml><?xml version="1.0" encoding="utf-8"?>
+<file path=ppt/slides/slide27.xml><?xml version="1.0" encoding="utf-8"?>
 <p:sld xmlns:a="http://schemas.openxmlformats.org/drawingml/2006/main" xmlns:r="http://schemas.openxmlformats.org/officeDocument/2006/relationships" xmlns:p="http://schemas.openxmlformats.org/presentationml/2006/main">
   <p:cSld>
     <p:spTree>
@@ -17079,7 +18331,7 @@
 </p:sld>
 </file>
 
-<file path=ppt/slides/slide27.xml><?xml version="1.0" encoding="utf-8"?>
+<file path=ppt/slides/slide28.xml><?xml version="1.0" encoding="utf-8"?>
 <p:sld xmlns:a="http://schemas.openxmlformats.org/drawingml/2006/main" xmlns:r="http://schemas.openxmlformats.org/officeDocument/2006/relationships" xmlns:p="http://schemas.openxmlformats.org/presentationml/2006/main">
   <p:cSld>
     <p:spTree>
